--- a/week08/Lab08.pptx
+++ b/week08/Lab08.pptx
@@ -38,7 +38,8 @@
     <p:sldId id="1062" r:id="rId31"/>
     <p:sldId id="1063" r:id="rId32"/>
     <p:sldId id="1064" r:id="rId33"/>
-    <p:sldId id="1065" r:id="rId34"/>
+    <p:sldId id="1066" r:id="rId34"/>
+    <p:sldId id="1065" r:id="rId35"/>
   </p:sldIdLst>
   <p:sldSz cx="12192000" cy="6858000"/>
   <p:notesSz cx="6858000" cy="9144000"/>
@@ -8551,6 +8552,105 @@
 </file>
 
 <file path=ppt/slides/slide31.xml><?xml version="1.0" encoding="utf-8"?>
+<p:sld xmlns:a="http://schemas.openxmlformats.org/drawingml/2006/main" xmlns:r="http://schemas.openxmlformats.org/officeDocument/2006/relationships" xmlns:p="http://schemas.openxmlformats.org/presentationml/2006/main">
+  <p:cSld>
+    <p:spTree>
+      <p:nvGrpSpPr>
+        <p:cNvPr id="1" name=""/>
+        <p:cNvGrpSpPr/>
+        <p:nvPr/>
+      </p:nvGrpSpPr>
+      <p:grpSpPr/>
+      <p:sp>
+        <p:nvSpPr>
+          <p:cNvPr id="2" name="标题 1"/>
+          <p:cNvSpPr>
+            <a:spLocks noGrp="1"/>
+          </p:cNvSpPr>
+          <p:nvPr>
+            <p:ph type="title"/>
+          </p:nvPr>
+        </p:nvSpPr>
+        <p:spPr/>
+        <p:txBody>
+          <a:bodyPr/>
+          <a:p>
+            <a:r>
+              <a:rPr lang="en-US" altLang="zh-CN"/>
+              <a:t>Reference</a:t>
+            </a:r>
+            <a:endParaRPr lang="en-US" altLang="zh-CN"/>
+          </a:p>
+        </p:txBody>
+      </p:sp>
+      <p:sp>
+        <p:nvSpPr>
+          <p:cNvPr id="3" name="内容占位符 2"/>
+          <p:cNvSpPr>
+            <a:spLocks noGrp="1"/>
+          </p:cNvSpPr>
+          <p:nvPr>
+            <p:ph idx="1"/>
+          </p:nvPr>
+        </p:nvSpPr>
+        <p:spPr/>
+        <p:txBody>
+          <a:bodyPr/>
+          <a:p>
+            <a:r>
+              <a:rPr lang="en-US" altLang="zh-CN"/>
+              <a:t>Some useful introductions of SSE:</a:t>
+            </a:r>
+            <a:endParaRPr lang="en-US" altLang="zh-CN"/>
+          </a:p>
+          <a:p>
+            <a:pPr marL="0" indent="0">
+              <a:buNone/>
+            </a:pPr>
+            <a:r>
+              <a:rPr lang="en-US" altLang="zh-CN"/>
+              <a:t>   https://gist.github.com/detomon/fb9db687b154d67dbb50</a:t>
+            </a:r>
+            <a:endParaRPr lang="en-US" altLang="zh-CN"/>
+          </a:p>
+          <a:p>
+            <a:pPr>
+              <a:buFont typeface="Arial" panose="020B0604020202020204" pitchFamily="34" charset="0"/>
+              <a:buChar char="•"/>
+            </a:pPr>
+            <a:r>
+              <a:rPr lang="en-US" altLang="zh-CN"/>
+              <a:t>Neon documentation:</a:t>
+            </a:r>
+            <a:endParaRPr lang="en-US" altLang="zh-CN"/>
+          </a:p>
+          <a:p>
+            <a:pPr marL="0" indent="0">
+              <a:buNone/>
+            </a:pPr>
+            <a:r>
+              <a:rPr lang="en-US" altLang="zh-CN"/>
+              <a:t>  https://developer.arm.com/architectures/instruction-sets/intrinsics</a:t>
+            </a:r>
+            <a:endParaRPr lang="en-US" altLang="zh-CN"/>
+          </a:p>
+          <a:p>
+            <a:endParaRPr lang="en-US" altLang="zh-CN"/>
+          </a:p>
+          <a:p>
+            <a:endParaRPr lang="en-US" altLang="zh-CN"/>
+          </a:p>
+        </p:txBody>
+      </p:sp>
+    </p:spTree>
+  </p:cSld>
+  <p:clrMapOvr>
+    <a:masterClrMapping/>
+  </p:clrMapOvr>
+</p:sld>
+</file>
+
+<file path=ppt/slides/slide32.xml><?xml version="1.0" encoding="utf-8"?>
 <p:sld xmlns:a="http://schemas.openxmlformats.org/drawingml/2006/main" xmlns:r="http://schemas.openxmlformats.org/officeDocument/2006/relationships" xmlns:p="http://schemas.openxmlformats.org/presentationml/2006/main">
   <p:cSld>
     <p:spTree>

--- a/week08/Lab08.pptx
+++ b/week08/Lab08.pptx
@@ -210,7 +210,7 @@
           <a:p>
             <a:fld id="{D1237EF7-A117-46B7-88A8-1B7FB98FF0F2}" type="datetimeFigureOut">
               <a:rPr lang="zh-CN" altLang="en-US" smtClean="0"/>
-              <a:t>2022/11/2</a:t>
+              <a:t>2022/11/3</a:t>
             </a:fld>
             <a:endParaRPr lang="zh-CN" altLang="en-US"/>
           </a:p>
@@ -601,7 +601,7 @@
           <a:p>
             <a:fld id="{FC19A4FA-3D9A-4114-B0D5-759CBD56F1AB}" type="datetimeFigureOut">
               <a:rPr lang="zh-CN" altLang="en-US" smtClean="0"/>
-              <a:t>2022/11/2</a:t>
+              <a:t>2022/11/3</a:t>
             </a:fld>
             <a:endParaRPr lang="zh-CN" altLang="en-US"/>
           </a:p>
@@ -795,7 +795,7 @@
           <a:p>
             <a:fld id="{FC19A4FA-3D9A-4114-B0D5-759CBD56F1AB}" type="datetimeFigureOut">
               <a:rPr lang="zh-CN" altLang="en-US" smtClean="0"/>
-              <a:t>2022/11/2</a:t>
+              <a:t>2022/11/3</a:t>
             </a:fld>
             <a:endParaRPr lang="zh-CN" altLang="en-US"/>
           </a:p>
@@ -968,7 +968,7 @@
           <a:p>
             <a:fld id="{FC19A4FA-3D9A-4114-B0D5-759CBD56F1AB}" type="datetimeFigureOut">
               <a:rPr lang="zh-CN" altLang="en-US" smtClean="0"/>
-              <a:t>2022/11/2</a:t>
+              <a:t>2022/11/3</a:t>
             </a:fld>
             <a:endParaRPr lang="zh-CN" altLang="en-US"/>
           </a:p>
@@ -1152,7 +1152,7 @@
           <a:p>
             <a:fld id="{FC19A4FA-3D9A-4114-B0D5-759CBD56F1AB}" type="datetimeFigureOut">
               <a:rPr lang="zh-CN" altLang="en-US" smtClean="0"/>
-              <a:t>2022/11/2</a:t>
+              <a:t>2022/11/3</a:t>
             </a:fld>
             <a:endParaRPr lang="zh-CN" altLang="en-US"/>
           </a:p>
@@ -1409,7 +1409,7 @@
           <a:p>
             <a:fld id="{FC19A4FA-3D9A-4114-B0D5-759CBD56F1AB}" type="datetimeFigureOut">
               <a:rPr lang="zh-CN" altLang="en-US" smtClean="0"/>
-              <a:t>2022/11/2</a:t>
+              <a:t>2022/11/3</a:t>
             </a:fld>
             <a:endParaRPr lang="zh-CN" altLang="en-US"/>
           </a:p>
@@ -1796,7 +1796,7 @@
           <a:p>
             <a:fld id="{FC19A4FA-3D9A-4114-B0D5-759CBD56F1AB}" type="datetimeFigureOut">
               <a:rPr lang="zh-CN" altLang="en-US" smtClean="0"/>
-              <a:t>2022/11/2</a:t>
+              <a:t>2022/11/3</a:t>
             </a:fld>
             <a:endParaRPr lang="zh-CN" altLang="en-US"/>
           </a:p>
@@ -2064,7 +2064,7 @@
           <a:p>
             <a:fld id="{FC19A4FA-3D9A-4114-B0D5-759CBD56F1AB}" type="datetimeFigureOut">
               <a:rPr lang="zh-CN" altLang="en-US" smtClean="0"/>
-              <a:t>2022/11/2</a:t>
+              <a:t>2022/11/3</a:t>
             </a:fld>
             <a:endParaRPr lang="zh-CN" altLang="en-US"/>
           </a:p>
@@ -2204,7 +2204,7 @@
           <a:p>
             <a:fld id="{FC19A4FA-3D9A-4114-B0D5-759CBD56F1AB}" type="datetimeFigureOut">
               <a:rPr lang="zh-CN" altLang="en-US" smtClean="0"/>
-              <a:t>2022/11/2</a:t>
+              <a:t>2022/11/3</a:t>
             </a:fld>
             <a:endParaRPr lang="zh-CN" altLang="en-US"/>
           </a:p>
@@ -2294,7 +2294,7 @@
           <a:p>
             <a:fld id="{FC19A4FA-3D9A-4114-B0D5-759CBD56F1AB}" type="datetimeFigureOut">
               <a:rPr lang="zh-CN" altLang="en-US" smtClean="0"/>
-              <a:t>2022/11/2</a:t>
+              <a:t>2022/11/3</a:t>
             </a:fld>
             <a:endParaRPr lang="zh-CN" altLang="en-US"/>
           </a:p>
@@ -2564,7 +2564,7 @@
           <a:p>
             <a:fld id="{FC19A4FA-3D9A-4114-B0D5-759CBD56F1AB}" type="datetimeFigureOut">
               <a:rPr lang="zh-CN" altLang="en-US" smtClean="0"/>
-              <a:t>2022/11/2</a:t>
+              <a:t>2022/11/3</a:t>
             </a:fld>
             <a:endParaRPr lang="zh-CN" altLang="en-US"/>
           </a:p>
@@ -2811,7 +2811,7 @@
           <a:p>
             <a:fld id="{FC19A4FA-3D9A-4114-B0D5-759CBD56F1AB}" type="datetimeFigureOut">
               <a:rPr lang="zh-CN" altLang="en-US" smtClean="0"/>
-              <a:t>2022/11/2</a:t>
+              <a:t>2022/11/3</a:t>
             </a:fld>
             <a:endParaRPr lang="zh-CN" altLang="en-US"/>
           </a:p>
@@ -3017,7 +3017,7 @@
           <a:p>
             <a:fld id="{FC19A4FA-3D9A-4114-B0D5-759CBD56F1AB}" type="datetimeFigureOut">
               <a:rPr lang="zh-CN" altLang="en-US" smtClean="0"/>
-              <a:t>2022/11/2</a:t>
+              <a:t>2022/11/3</a:t>
             </a:fld>
             <a:endParaRPr lang="zh-CN" altLang="en-US"/>
           </a:p>
@@ -3660,24 +3660,20 @@
           <a:lstStyle/>
           <a:p>
             <a:r>
-              <a:rPr kumimoji="1" lang="en-US" altLang="zh-CN" dirty="0"/>
-              <a:t>https://</a:t>
-            </a:r>
-            <a:r>
-              <a:rPr kumimoji="1" lang="en-US" altLang="zh-CN" dirty="0" err="1"/>
-              <a:t>developer.arm.com</a:t>
-            </a:r>
-            <a:r>
-              <a:rPr kumimoji="1" lang="en-US" altLang="zh-CN" dirty="0"/>
-              <a:t>/architectures/instruction-sets/</a:t>
-            </a:r>
-            <a:r>
-              <a:rPr kumimoji="1" lang="en-US" altLang="zh-CN" dirty="0" err="1"/>
-              <a:t>intrinsics</a:t>
-            </a:r>
-            <a:r>
-              <a:rPr kumimoji="1" lang="en-US" altLang="zh-CN" dirty="0"/>
+              <a:rPr kumimoji="1" lang="en-US" altLang="zh-CN" dirty="0">
+                <a:hlinkClick r:id="rId2"/>
+              </a:rPr>
+              <a:t>https://developer.arm.com/architectures/instruction-sets/intrinsics</a:t>
+            </a:r>
+            <a:r>
+              <a:rPr kumimoji="1" lang="en-US" altLang="zh-CN">
+                <a:hlinkClick r:id="rId2"/>
+              </a:rPr>
               <a:t>/</a:t>
+            </a:r>
+            <a:r>
+              <a:rPr kumimoji="1" lang="en-US" altLang="zh-CN"/>
+              <a:t> </a:t>
             </a:r>
             <a:endParaRPr kumimoji="1" lang="zh-CN" altLang="en-US" dirty="0"/>
           </a:p>
@@ -3698,7 +3694,7 @@
           <p:nvPr/>
         </p:nvPicPr>
         <p:blipFill>
-          <a:blip r:embed="rId2"/>
+          <a:blip r:embed="rId3"/>
           <a:stretch>
             <a:fillRect/>
           </a:stretch>

--- a/week08/Lab08.pptx
+++ b/week08/Lab08.pptx
@@ -210,7 +210,7 @@
           <a:p>
             <a:fld id="{D1237EF7-A117-46B7-88A8-1B7FB98FF0F2}" type="datetimeFigureOut">
               <a:rPr lang="zh-CN" altLang="en-US" smtClean="0"/>
-              <a:t>2022/11/3</a:t>
+              <a:t>2023/4/12</a:t>
             </a:fld>
             <a:endParaRPr lang="zh-CN" altLang="en-US"/>
           </a:p>
@@ -601,7 +601,7 @@
           <a:p>
             <a:fld id="{FC19A4FA-3D9A-4114-B0D5-759CBD56F1AB}" type="datetimeFigureOut">
               <a:rPr lang="zh-CN" altLang="en-US" smtClean="0"/>
-              <a:t>2022/11/3</a:t>
+              <a:t>2023/4/12</a:t>
             </a:fld>
             <a:endParaRPr lang="zh-CN" altLang="en-US"/>
           </a:p>
@@ -795,7 +795,7 @@
           <a:p>
             <a:fld id="{FC19A4FA-3D9A-4114-B0D5-759CBD56F1AB}" type="datetimeFigureOut">
               <a:rPr lang="zh-CN" altLang="en-US" smtClean="0"/>
-              <a:t>2022/11/3</a:t>
+              <a:t>2023/4/12</a:t>
             </a:fld>
             <a:endParaRPr lang="zh-CN" altLang="en-US"/>
           </a:p>
@@ -968,7 +968,7 @@
           <a:p>
             <a:fld id="{FC19A4FA-3D9A-4114-B0D5-759CBD56F1AB}" type="datetimeFigureOut">
               <a:rPr lang="zh-CN" altLang="en-US" smtClean="0"/>
-              <a:t>2022/11/3</a:t>
+              <a:t>2023/4/12</a:t>
             </a:fld>
             <a:endParaRPr lang="zh-CN" altLang="en-US"/>
           </a:p>
@@ -1152,7 +1152,7 @@
           <a:p>
             <a:fld id="{FC19A4FA-3D9A-4114-B0D5-759CBD56F1AB}" type="datetimeFigureOut">
               <a:rPr lang="zh-CN" altLang="en-US" smtClean="0"/>
-              <a:t>2022/11/3</a:t>
+              <a:t>2023/4/12</a:t>
             </a:fld>
             <a:endParaRPr lang="zh-CN" altLang="en-US"/>
           </a:p>
@@ -1409,7 +1409,7 @@
           <a:p>
             <a:fld id="{FC19A4FA-3D9A-4114-B0D5-759CBD56F1AB}" type="datetimeFigureOut">
               <a:rPr lang="zh-CN" altLang="en-US" smtClean="0"/>
-              <a:t>2022/11/3</a:t>
+              <a:t>2023/4/12</a:t>
             </a:fld>
             <a:endParaRPr lang="zh-CN" altLang="en-US"/>
           </a:p>
@@ -1796,7 +1796,7 @@
           <a:p>
             <a:fld id="{FC19A4FA-3D9A-4114-B0D5-759CBD56F1AB}" type="datetimeFigureOut">
               <a:rPr lang="zh-CN" altLang="en-US" smtClean="0"/>
-              <a:t>2022/11/3</a:t>
+              <a:t>2023/4/12</a:t>
             </a:fld>
             <a:endParaRPr lang="zh-CN" altLang="en-US"/>
           </a:p>
@@ -2064,7 +2064,7 @@
           <a:p>
             <a:fld id="{FC19A4FA-3D9A-4114-B0D5-759CBD56F1AB}" type="datetimeFigureOut">
               <a:rPr lang="zh-CN" altLang="en-US" smtClean="0"/>
-              <a:t>2022/11/3</a:t>
+              <a:t>2023/4/12</a:t>
             </a:fld>
             <a:endParaRPr lang="zh-CN" altLang="en-US"/>
           </a:p>
@@ -2204,7 +2204,7 @@
           <a:p>
             <a:fld id="{FC19A4FA-3D9A-4114-B0D5-759CBD56F1AB}" type="datetimeFigureOut">
               <a:rPr lang="zh-CN" altLang="en-US" smtClean="0"/>
-              <a:t>2022/11/3</a:t>
+              <a:t>2023/4/12</a:t>
             </a:fld>
             <a:endParaRPr lang="zh-CN" altLang="en-US"/>
           </a:p>
@@ -2294,7 +2294,7 @@
           <a:p>
             <a:fld id="{FC19A4FA-3D9A-4114-B0D5-759CBD56F1AB}" type="datetimeFigureOut">
               <a:rPr lang="zh-CN" altLang="en-US" smtClean="0"/>
-              <a:t>2022/11/3</a:t>
+              <a:t>2023/4/12</a:t>
             </a:fld>
             <a:endParaRPr lang="zh-CN" altLang="en-US"/>
           </a:p>
@@ -2564,7 +2564,7 @@
           <a:p>
             <a:fld id="{FC19A4FA-3D9A-4114-B0D5-759CBD56F1AB}" type="datetimeFigureOut">
               <a:rPr lang="zh-CN" altLang="en-US" smtClean="0"/>
-              <a:t>2022/11/3</a:t>
+              <a:t>2023/4/12</a:t>
             </a:fld>
             <a:endParaRPr lang="zh-CN" altLang="en-US"/>
           </a:p>
@@ -2811,7 +2811,7 @@
           <a:p>
             <a:fld id="{FC19A4FA-3D9A-4114-B0D5-759CBD56F1AB}" type="datetimeFigureOut">
               <a:rPr lang="zh-CN" altLang="en-US" smtClean="0"/>
-              <a:t>2022/11/3</a:t>
+              <a:t>2023/4/12</a:t>
             </a:fld>
             <a:endParaRPr lang="zh-CN" altLang="en-US"/>
           </a:p>
@@ -3017,7 +3017,7 @@
           <a:p>
             <a:fld id="{FC19A4FA-3D9A-4114-B0D5-759CBD56F1AB}" type="datetimeFigureOut">
               <a:rPr lang="zh-CN" altLang="en-US" smtClean="0"/>
-              <a:t>2022/11/3</a:t>
+              <a:t>2023/4/12</a:t>
             </a:fld>
             <a:endParaRPr lang="zh-CN" altLang="en-US"/>
           </a:p>
@@ -3663,16 +3663,10 @@
               <a:rPr kumimoji="1" lang="en-US" altLang="zh-CN" dirty="0">
                 <a:hlinkClick r:id="rId2"/>
               </a:rPr>
-              <a:t>https://developer.arm.com/architectures/instruction-sets/intrinsics</a:t>
-            </a:r>
-            <a:r>
-              <a:rPr kumimoji="1" lang="en-US" altLang="zh-CN">
-                <a:hlinkClick r:id="rId2"/>
-              </a:rPr>
-              <a:t>/</a:t>
-            </a:r>
-            <a:r>
-              <a:rPr kumimoji="1" lang="en-US" altLang="zh-CN"/>
+              <a:t>https://developer.arm.com/architectures/instruction-sets/intrinsics/</a:t>
+            </a:r>
+            <a:r>
+              <a:rPr kumimoji="1" lang="en-US" altLang="zh-CN" dirty="0"/>
               <a:t> </a:t>
             </a:r>
             <a:endParaRPr kumimoji="1" lang="zh-CN" altLang="en-US" dirty="0"/>
@@ -4688,41 +4682,12 @@
           <a:chExt cx="0" cy="0"/>
         </a:xfrm>
       </p:grpSpPr>
-      <p:sp>
-        <p:nvSpPr>
-          <p:cNvPr id="2" name="标题 1">
+      <p:pic>
+        <p:nvPicPr>
+          <p:cNvPr id="3" name="图片 2">
             <a:extLst>
               <a:ext uri="{FF2B5EF4-FFF2-40B4-BE49-F238E27FC236}">
-                <a16:creationId xmlns:a16="http://schemas.microsoft.com/office/drawing/2014/main" id="{03AD1E82-37ED-4845-9EBD-E4E0CE1805DD}"/>
-              </a:ext>
-            </a:extLst>
-          </p:cNvPr>
-          <p:cNvSpPr>
-            <a:spLocks noGrp="1"/>
-          </p:cNvSpPr>
-          <p:nvPr>
-            <p:ph type="title"/>
-          </p:nvPr>
-        </p:nvSpPr>
-        <p:spPr/>
-        <p:txBody>
-          <a:bodyPr/>
-          <a:lstStyle/>
-          <a:p>
-            <a:r>
-              <a:rPr kumimoji="1" lang="en-US" altLang="zh-CN" dirty="0"/>
-              <a:t>Load data from memory to registers</a:t>
-            </a:r>
-            <a:endParaRPr kumimoji="1" lang="zh-CN" altLang="en-US" dirty="0"/>
-          </a:p>
-        </p:txBody>
-      </p:sp>
-      <p:pic>
-        <p:nvPicPr>
-          <p:cNvPr id="4" name="图片 3">
-            <a:extLst>
-              <a:ext uri="{FF2B5EF4-FFF2-40B4-BE49-F238E27FC236}">
-                <a16:creationId xmlns:a16="http://schemas.microsoft.com/office/drawing/2014/main" id="{0604CD22-39A1-534C-8A0A-32FD50D575CA}"/>
+                <a16:creationId xmlns:a16="http://schemas.microsoft.com/office/drawing/2014/main" id="{4899CE98-3203-0B20-C2DD-7B4ECACDDFD7}"/>
               </a:ext>
             </a:extLst>
           </p:cNvPr>
@@ -4739,14 +4704,43 @@
         </p:blipFill>
         <p:spPr>
           <a:xfrm>
-            <a:off x="834340" y="1565908"/>
-            <a:ext cx="7018189" cy="4620244"/>
+            <a:off x="1232789" y="1294905"/>
+            <a:ext cx="5761777" cy="5563095"/>
           </a:xfrm>
           <a:prstGeom prst="rect">
             <a:avLst/>
           </a:prstGeom>
         </p:spPr>
       </p:pic>
+      <p:sp>
+        <p:nvSpPr>
+          <p:cNvPr id="2" name="标题 1">
+            <a:extLst>
+              <a:ext uri="{FF2B5EF4-FFF2-40B4-BE49-F238E27FC236}">
+                <a16:creationId xmlns:a16="http://schemas.microsoft.com/office/drawing/2014/main" id="{03AD1E82-37ED-4845-9EBD-E4E0CE1805DD}"/>
+              </a:ext>
+            </a:extLst>
+          </p:cNvPr>
+          <p:cNvSpPr>
+            <a:spLocks noGrp="1"/>
+          </p:cNvSpPr>
+          <p:nvPr>
+            <p:ph type="title"/>
+          </p:nvPr>
+        </p:nvSpPr>
+        <p:spPr/>
+        <p:txBody>
+          <a:bodyPr/>
+          <a:lstStyle/>
+          <a:p>
+            <a:r>
+              <a:rPr kumimoji="1" lang="en-US" altLang="zh-CN" dirty="0"/>
+              <a:t>Load data from memory to registers</a:t>
+            </a:r>
+            <a:endParaRPr kumimoji="1" lang="zh-CN" altLang="en-US" dirty="0"/>
+          </a:p>
+        </p:txBody>
+      </p:sp>
       <p:sp>
         <p:nvSpPr>
           <p:cNvPr id="7" name="内容占位符 2">
@@ -4765,7 +4759,7 @@
         </p:nvSpPr>
         <p:spPr>
           <a:xfrm>
-            <a:off x="6425936" y="3244275"/>
+            <a:off x="6449687" y="4170550"/>
             <a:ext cx="5340797" cy="1263510"/>
           </a:xfrm>
           <a:solidFill>
@@ -4891,7 +4885,7 @@
                 </a:solidFill>
                 <a:latin typeface="Menlo" panose="020B0609030804020204" pitchFamily="49" charset="0"/>
               </a:rPr>
-              <a:t>_mm256_load_ps</a:t>
+              <a:t>_mm256_loadu_ps</a:t>
             </a:r>
             <a:r>
               <a:rPr lang="en-US" altLang="zh-CN" sz="2000" dirty="0">
@@ -5064,7 +5058,7 @@
                 </a:solidFill>
                 <a:latin typeface="Menlo" panose="020B0609030804020204" pitchFamily="49" charset="0"/>
               </a:rPr>
-              <a:t>_mm256_load_ps</a:t>
+              <a:t>_mm256_loadu_ps</a:t>
             </a:r>
             <a:r>
               <a:rPr lang="en-US" altLang="zh-CN" sz="1800" dirty="0">
@@ -5114,7 +5108,7 @@
                 </a:solidFill>
                 <a:latin typeface="Menlo" panose="020B0609030804020204" pitchFamily="49" charset="0"/>
               </a:rPr>
-              <a:t>_mm256_load_ps</a:t>
+              <a:t>_mm256_loadu_ps</a:t>
             </a:r>
             <a:r>
               <a:rPr lang="en-US" altLang="zh-CN" sz="1800" dirty="0">
@@ -5216,10 +5210,10 @@
       </p:grpSpPr>
       <p:pic>
         <p:nvPicPr>
-          <p:cNvPr id="4" name="图片 3">
+          <p:cNvPr id="5" name="图片 4">
             <a:extLst>
               <a:ext uri="{FF2B5EF4-FFF2-40B4-BE49-F238E27FC236}">
-                <a16:creationId xmlns:a16="http://schemas.microsoft.com/office/drawing/2014/main" id="{C884E110-73D5-F14A-B85C-D5FF6DAD7B86}"/>
+                <a16:creationId xmlns:a16="http://schemas.microsoft.com/office/drawing/2014/main" id="{1F8BC5FA-C8DE-B518-33D2-F46C913279FA}"/>
               </a:ext>
             </a:extLst>
           </p:cNvPr>
@@ -5236,8 +5230,8 @@
         </p:blipFill>
         <p:spPr>
           <a:xfrm>
-            <a:off x="1086538" y="1326995"/>
-            <a:ext cx="8117643" cy="5531005"/>
+            <a:off x="1129145" y="1237099"/>
+            <a:ext cx="7772400" cy="5608320"/>
           </a:xfrm>
           <a:prstGeom prst="rect">
             <a:avLst/>
@@ -5360,7 +5354,7 @@
                 </a:solidFill>
                 <a:latin typeface="Menlo" panose="020B0609030804020204" pitchFamily="49" charset="0"/>
               </a:rPr>
-              <a:t>_mm256_store_ps</a:t>
+              <a:t>_mm256_storeu_ps</a:t>
             </a:r>
             <a:r>
               <a:rPr lang="en-US" altLang="zh-CN" sz="2000" dirty="0">
